--- a/ppt 16-9/0443.中华要兴起.pptx
+++ b/ppt 16-9/0443.中华要兴起.pptx
@@ -129,7 +129,7 @@
           <p:cNvPr id="2" name="标题 1">
             <a:extLst>
               <a:ext uri="{FF2B5EF4-FFF2-40B4-BE49-F238E27FC236}">
-                <a16:creationId xmlns:a16="http://schemas.microsoft.com/office/drawing/2014/main" id="{4B9AABE7-34AA-B931-866D-D6EDC0116A6C}"/>
+                <a16:creationId xmlns:a16="http://schemas.microsoft.com/office/drawing/2014/main" id="{00362FA5-BCA1-59A4-9DDD-0BEA41BC4F8D}"/>
               </a:ext>
             </a:extLst>
           </p:cNvPr>
@@ -166,7 +166,7 @@
           <p:cNvPr id="3" name="副标题 2">
             <a:extLst>
               <a:ext uri="{FF2B5EF4-FFF2-40B4-BE49-F238E27FC236}">
-                <a16:creationId xmlns:a16="http://schemas.microsoft.com/office/drawing/2014/main" id="{D825C639-938D-2BC9-5C8B-4564753787B0}"/>
+                <a16:creationId xmlns:a16="http://schemas.microsoft.com/office/drawing/2014/main" id="{3EA5B106-87E0-B93D-C227-700B0AE9A050}"/>
               </a:ext>
             </a:extLst>
           </p:cNvPr>
@@ -236,7 +236,7 @@
           <p:cNvPr id="4" name="日期占位符 3">
             <a:extLst>
               <a:ext uri="{FF2B5EF4-FFF2-40B4-BE49-F238E27FC236}">
-                <a16:creationId xmlns:a16="http://schemas.microsoft.com/office/drawing/2014/main" id="{B9B3ABE2-5516-EB7D-9EB2-06F493557F48}"/>
+                <a16:creationId xmlns:a16="http://schemas.microsoft.com/office/drawing/2014/main" id="{A86F8B26-0A8B-0856-DB62-1E9968EA29F9}"/>
               </a:ext>
             </a:extLst>
           </p:cNvPr>
@@ -252,7 +252,7 @@
           <a:bodyPr/>
           <a:lstStyle/>
           <a:p>
-            <a:fld id="{97F10C9B-BC09-4848-BD1F-34B5701C7A11}" type="datetimeFigureOut">
+            <a:fld id="{555FA2D2-61F3-4144-847D-436971DD661A}" type="datetimeFigureOut">
               <a:rPr lang="zh-CN" altLang="en-US" smtClean="0"/>
               <a:t>2024/3/10</a:t>
             </a:fld>
@@ -265,7 +265,7 @@
           <p:cNvPr id="5" name="页脚占位符 4">
             <a:extLst>
               <a:ext uri="{FF2B5EF4-FFF2-40B4-BE49-F238E27FC236}">
-                <a16:creationId xmlns:a16="http://schemas.microsoft.com/office/drawing/2014/main" id="{7A351894-5547-DEAA-EF0E-0CBBFF32D485}"/>
+                <a16:creationId xmlns:a16="http://schemas.microsoft.com/office/drawing/2014/main" id="{2F0111EC-C2F2-0223-C771-9BE62485E874}"/>
               </a:ext>
             </a:extLst>
           </p:cNvPr>
@@ -290,7 +290,7 @@
           <p:cNvPr id="6" name="灯片编号占位符 5">
             <a:extLst>
               <a:ext uri="{FF2B5EF4-FFF2-40B4-BE49-F238E27FC236}">
-                <a16:creationId xmlns:a16="http://schemas.microsoft.com/office/drawing/2014/main" id="{29CCE3E6-C0A4-B8D8-6790-2F2C449B0C2E}"/>
+                <a16:creationId xmlns:a16="http://schemas.microsoft.com/office/drawing/2014/main" id="{F38EB400-9082-65A9-C50D-CA72416B15F3}"/>
               </a:ext>
             </a:extLst>
           </p:cNvPr>
@@ -306,7 +306,7 @@
           <a:bodyPr/>
           <a:lstStyle/>
           <a:p>
-            <a:fld id="{3B29B42F-A3ED-4BC4-9367-397095E41E4B}" type="slidenum">
+            <a:fld id="{3A434ADC-6C99-44DE-80F1-15D7AC5ADB93}" type="slidenum">
               <a:rPr lang="zh-CN" altLang="en-US" smtClean="0"/>
               <a:t>‹#›</a:t>
             </a:fld>
@@ -317,7 +317,7 @@
     </p:spTree>
     <p:extLst>
       <p:ext uri="{BB962C8B-B14F-4D97-AF65-F5344CB8AC3E}">
-        <p14:creationId xmlns:p14="http://schemas.microsoft.com/office/powerpoint/2010/main" val="1979918502"/>
+        <p14:creationId xmlns:p14="http://schemas.microsoft.com/office/powerpoint/2010/main" val="1433878348"/>
       </p:ext>
     </p:extLst>
   </p:cSld>
@@ -349,7 +349,7 @@
           <p:cNvPr id="2" name="标题 1">
             <a:extLst>
               <a:ext uri="{FF2B5EF4-FFF2-40B4-BE49-F238E27FC236}">
-                <a16:creationId xmlns:a16="http://schemas.microsoft.com/office/drawing/2014/main" id="{C4DAB45D-87D2-D15D-25B4-618CEC045F58}"/>
+                <a16:creationId xmlns:a16="http://schemas.microsoft.com/office/drawing/2014/main" id="{A1223D23-7713-AB38-072B-885BC6C4F66B}"/>
               </a:ext>
             </a:extLst>
           </p:cNvPr>
@@ -377,7 +377,7 @@
           <p:cNvPr id="3" name="竖排文字占位符 2">
             <a:extLst>
               <a:ext uri="{FF2B5EF4-FFF2-40B4-BE49-F238E27FC236}">
-                <a16:creationId xmlns:a16="http://schemas.microsoft.com/office/drawing/2014/main" id="{22A0F41C-6506-7813-8531-DD70229F2394}"/>
+                <a16:creationId xmlns:a16="http://schemas.microsoft.com/office/drawing/2014/main" id="{8B6B84DF-361F-F6BC-ACFA-49EE59054B31}"/>
               </a:ext>
             </a:extLst>
           </p:cNvPr>
@@ -434,7 +434,7 @@
           <p:cNvPr id="4" name="日期占位符 3">
             <a:extLst>
               <a:ext uri="{FF2B5EF4-FFF2-40B4-BE49-F238E27FC236}">
-                <a16:creationId xmlns:a16="http://schemas.microsoft.com/office/drawing/2014/main" id="{6944AF27-550B-250E-1126-C90D85C742DB}"/>
+                <a16:creationId xmlns:a16="http://schemas.microsoft.com/office/drawing/2014/main" id="{6F2759CE-5747-4D53-17AE-37D84A301923}"/>
               </a:ext>
             </a:extLst>
           </p:cNvPr>
@@ -450,7 +450,7 @@
           <a:bodyPr/>
           <a:lstStyle/>
           <a:p>
-            <a:fld id="{97F10C9B-BC09-4848-BD1F-34B5701C7A11}" type="datetimeFigureOut">
+            <a:fld id="{555FA2D2-61F3-4144-847D-436971DD661A}" type="datetimeFigureOut">
               <a:rPr lang="zh-CN" altLang="en-US" smtClean="0"/>
               <a:t>2024/3/10</a:t>
             </a:fld>
@@ -463,7 +463,7 @@
           <p:cNvPr id="5" name="页脚占位符 4">
             <a:extLst>
               <a:ext uri="{FF2B5EF4-FFF2-40B4-BE49-F238E27FC236}">
-                <a16:creationId xmlns:a16="http://schemas.microsoft.com/office/drawing/2014/main" id="{C4C6AA85-0806-A5C2-D871-70FAD94959A2}"/>
+                <a16:creationId xmlns:a16="http://schemas.microsoft.com/office/drawing/2014/main" id="{2136DDDE-757A-39F0-8234-B203291885D8}"/>
               </a:ext>
             </a:extLst>
           </p:cNvPr>
@@ -488,7 +488,7 @@
           <p:cNvPr id="6" name="灯片编号占位符 5">
             <a:extLst>
               <a:ext uri="{FF2B5EF4-FFF2-40B4-BE49-F238E27FC236}">
-                <a16:creationId xmlns:a16="http://schemas.microsoft.com/office/drawing/2014/main" id="{7C9DDDBC-007D-FFD6-E487-24ECAB1E6249}"/>
+                <a16:creationId xmlns:a16="http://schemas.microsoft.com/office/drawing/2014/main" id="{FA43927D-EFE9-751A-72D7-CF2CC0440E0F}"/>
               </a:ext>
             </a:extLst>
           </p:cNvPr>
@@ -504,7 +504,7 @@
           <a:bodyPr/>
           <a:lstStyle/>
           <a:p>
-            <a:fld id="{3B29B42F-A3ED-4BC4-9367-397095E41E4B}" type="slidenum">
+            <a:fld id="{3A434ADC-6C99-44DE-80F1-15D7AC5ADB93}" type="slidenum">
               <a:rPr lang="zh-CN" altLang="en-US" smtClean="0"/>
               <a:t>‹#›</a:t>
             </a:fld>
@@ -515,7 +515,7 @@
     </p:spTree>
     <p:extLst>
       <p:ext uri="{BB962C8B-B14F-4D97-AF65-F5344CB8AC3E}">
-        <p14:creationId xmlns:p14="http://schemas.microsoft.com/office/powerpoint/2010/main" val="1232147394"/>
+        <p14:creationId xmlns:p14="http://schemas.microsoft.com/office/powerpoint/2010/main" val="2251475083"/>
       </p:ext>
     </p:extLst>
   </p:cSld>
@@ -547,7 +547,7 @@
           <p:cNvPr id="2" name="竖排标题 1">
             <a:extLst>
               <a:ext uri="{FF2B5EF4-FFF2-40B4-BE49-F238E27FC236}">
-                <a16:creationId xmlns:a16="http://schemas.microsoft.com/office/drawing/2014/main" id="{F623DA3A-C992-6116-F61C-69FA6974268C}"/>
+                <a16:creationId xmlns:a16="http://schemas.microsoft.com/office/drawing/2014/main" id="{33115016-51D1-7A93-5891-DD75D5A99FF8}"/>
               </a:ext>
             </a:extLst>
           </p:cNvPr>
@@ -580,7 +580,7 @@
           <p:cNvPr id="3" name="竖排文字占位符 2">
             <a:extLst>
               <a:ext uri="{FF2B5EF4-FFF2-40B4-BE49-F238E27FC236}">
-                <a16:creationId xmlns:a16="http://schemas.microsoft.com/office/drawing/2014/main" id="{1A6DC201-0DBE-DB58-6650-1273BFA95460}"/>
+                <a16:creationId xmlns:a16="http://schemas.microsoft.com/office/drawing/2014/main" id="{DF964A01-1BB0-6C3B-E263-CEF81F03A0C1}"/>
               </a:ext>
             </a:extLst>
           </p:cNvPr>
@@ -642,7 +642,7 @@
           <p:cNvPr id="4" name="日期占位符 3">
             <a:extLst>
               <a:ext uri="{FF2B5EF4-FFF2-40B4-BE49-F238E27FC236}">
-                <a16:creationId xmlns:a16="http://schemas.microsoft.com/office/drawing/2014/main" id="{10E78688-FDFA-ED07-BB51-7EA8D5097B72}"/>
+                <a16:creationId xmlns:a16="http://schemas.microsoft.com/office/drawing/2014/main" id="{701104AC-BC19-E638-A523-30417A53C435}"/>
               </a:ext>
             </a:extLst>
           </p:cNvPr>
@@ -658,7 +658,7 @@
           <a:bodyPr/>
           <a:lstStyle/>
           <a:p>
-            <a:fld id="{97F10C9B-BC09-4848-BD1F-34B5701C7A11}" type="datetimeFigureOut">
+            <a:fld id="{555FA2D2-61F3-4144-847D-436971DD661A}" type="datetimeFigureOut">
               <a:rPr lang="zh-CN" altLang="en-US" smtClean="0"/>
               <a:t>2024/3/10</a:t>
             </a:fld>
@@ -671,7 +671,7 @@
           <p:cNvPr id="5" name="页脚占位符 4">
             <a:extLst>
               <a:ext uri="{FF2B5EF4-FFF2-40B4-BE49-F238E27FC236}">
-                <a16:creationId xmlns:a16="http://schemas.microsoft.com/office/drawing/2014/main" id="{BF091A65-CF2D-4092-CFC3-611F4E082D6E}"/>
+                <a16:creationId xmlns:a16="http://schemas.microsoft.com/office/drawing/2014/main" id="{03CC8C14-65EF-D8D6-EC40-58C22BA84FB3}"/>
               </a:ext>
             </a:extLst>
           </p:cNvPr>
@@ -696,7 +696,7 @@
           <p:cNvPr id="6" name="灯片编号占位符 5">
             <a:extLst>
               <a:ext uri="{FF2B5EF4-FFF2-40B4-BE49-F238E27FC236}">
-                <a16:creationId xmlns:a16="http://schemas.microsoft.com/office/drawing/2014/main" id="{EBDE3DB0-DD5E-D92F-D637-429030BA323D}"/>
+                <a16:creationId xmlns:a16="http://schemas.microsoft.com/office/drawing/2014/main" id="{68810C99-20A8-799A-BCED-EBBD2C9C2631}"/>
               </a:ext>
             </a:extLst>
           </p:cNvPr>
@@ -712,7 +712,7 @@
           <a:bodyPr/>
           <a:lstStyle/>
           <a:p>
-            <a:fld id="{3B29B42F-A3ED-4BC4-9367-397095E41E4B}" type="slidenum">
+            <a:fld id="{3A434ADC-6C99-44DE-80F1-15D7AC5ADB93}" type="slidenum">
               <a:rPr lang="zh-CN" altLang="en-US" smtClean="0"/>
               <a:t>‹#›</a:t>
             </a:fld>
@@ -723,7 +723,7 @@
     </p:spTree>
     <p:extLst>
       <p:ext uri="{BB962C8B-B14F-4D97-AF65-F5344CB8AC3E}">
-        <p14:creationId xmlns:p14="http://schemas.microsoft.com/office/powerpoint/2010/main" val="4051281335"/>
+        <p14:creationId xmlns:p14="http://schemas.microsoft.com/office/powerpoint/2010/main" val="2753494195"/>
       </p:ext>
     </p:extLst>
   </p:cSld>
@@ -755,7 +755,7 @@
           <p:cNvPr id="2" name="标题 1">
             <a:extLst>
               <a:ext uri="{FF2B5EF4-FFF2-40B4-BE49-F238E27FC236}">
-                <a16:creationId xmlns:a16="http://schemas.microsoft.com/office/drawing/2014/main" id="{86E21396-750B-8E87-9076-96DEFB27E3DA}"/>
+                <a16:creationId xmlns:a16="http://schemas.microsoft.com/office/drawing/2014/main" id="{6E8582FC-DE1A-7726-9082-B4E7D104214F}"/>
               </a:ext>
             </a:extLst>
           </p:cNvPr>
@@ -783,7 +783,7 @@
           <p:cNvPr id="3" name="内容占位符 2">
             <a:extLst>
               <a:ext uri="{FF2B5EF4-FFF2-40B4-BE49-F238E27FC236}">
-                <a16:creationId xmlns:a16="http://schemas.microsoft.com/office/drawing/2014/main" id="{60D137EA-9082-8AE3-FF63-8266CAEEA2A4}"/>
+                <a16:creationId xmlns:a16="http://schemas.microsoft.com/office/drawing/2014/main" id="{0417D2AB-31D7-7760-6BA7-70AA8A3F9442}"/>
               </a:ext>
             </a:extLst>
           </p:cNvPr>
@@ -840,7 +840,7 @@
           <p:cNvPr id="4" name="日期占位符 3">
             <a:extLst>
               <a:ext uri="{FF2B5EF4-FFF2-40B4-BE49-F238E27FC236}">
-                <a16:creationId xmlns:a16="http://schemas.microsoft.com/office/drawing/2014/main" id="{F7E13C0A-A34F-B146-CE40-EEE005BDE5E3}"/>
+                <a16:creationId xmlns:a16="http://schemas.microsoft.com/office/drawing/2014/main" id="{9C9EE5BD-FD82-65FB-9DE0-FC4D1E378437}"/>
               </a:ext>
             </a:extLst>
           </p:cNvPr>
@@ -856,7 +856,7 @@
           <a:bodyPr/>
           <a:lstStyle/>
           <a:p>
-            <a:fld id="{97F10C9B-BC09-4848-BD1F-34B5701C7A11}" type="datetimeFigureOut">
+            <a:fld id="{555FA2D2-61F3-4144-847D-436971DD661A}" type="datetimeFigureOut">
               <a:rPr lang="zh-CN" altLang="en-US" smtClean="0"/>
               <a:t>2024/3/10</a:t>
             </a:fld>
@@ -869,7 +869,7 @@
           <p:cNvPr id="5" name="页脚占位符 4">
             <a:extLst>
               <a:ext uri="{FF2B5EF4-FFF2-40B4-BE49-F238E27FC236}">
-                <a16:creationId xmlns:a16="http://schemas.microsoft.com/office/drawing/2014/main" id="{7FBA45EC-54B0-37CE-AA53-5905E1C071F2}"/>
+                <a16:creationId xmlns:a16="http://schemas.microsoft.com/office/drawing/2014/main" id="{2C219687-E10D-69E3-6BD3-487CAEDCAB90}"/>
               </a:ext>
             </a:extLst>
           </p:cNvPr>
@@ -894,7 +894,7 @@
           <p:cNvPr id="6" name="灯片编号占位符 5">
             <a:extLst>
               <a:ext uri="{FF2B5EF4-FFF2-40B4-BE49-F238E27FC236}">
-                <a16:creationId xmlns:a16="http://schemas.microsoft.com/office/drawing/2014/main" id="{211CB31F-08D1-8761-388E-54A94F4840CC}"/>
+                <a16:creationId xmlns:a16="http://schemas.microsoft.com/office/drawing/2014/main" id="{DF8BFB51-B4B1-3F86-9A70-D7CA4CBB7269}"/>
               </a:ext>
             </a:extLst>
           </p:cNvPr>
@@ -910,7 +910,7 @@
           <a:bodyPr/>
           <a:lstStyle/>
           <a:p>
-            <a:fld id="{3B29B42F-A3ED-4BC4-9367-397095E41E4B}" type="slidenum">
+            <a:fld id="{3A434ADC-6C99-44DE-80F1-15D7AC5ADB93}" type="slidenum">
               <a:rPr lang="zh-CN" altLang="en-US" smtClean="0"/>
               <a:t>‹#›</a:t>
             </a:fld>
@@ -921,7 +921,7 @@
     </p:spTree>
     <p:extLst>
       <p:ext uri="{BB962C8B-B14F-4D97-AF65-F5344CB8AC3E}">
-        <p14:creationId xmlns:p14="http://schemas.microsoft.com/office/powerpoint/2010/main" val="4108646499"/>
+        <p14:creationId xmlns:p14="http://schemas.microsoft.com/office/powerpoint/2010/main" val="3830942558"/>
       </p:ext>
     </p:extLst>
   </p:cSld>
@@ -953,7 +953,7 @@
           <p:cNvPr id="2" name="标题 1">
             <a:extLst>
               <a:ext uri="{FF2B5EF4-FFF2-40B4-BE49-F238E27FC236}">
-                <a16:creationId xmlns:a16="http://schemas.microsoft.com/office/drawing/2014/main" id="{1CCE0506-3F4E-5A8C-B88A-1B2924543791}"/>
+                <a16:creationId xmlns:a16="http://schemas.microsoft.com/office/drawing/2014/main" id="{CA327ADB-BD6F-9169-0587-024CCF43FFE4}"/>
               </a:ext>
             </a:extLst>
           </p:cNvPr>
@@ -990,7 +990,7 @@
           <p:cNvPr id="3" name="文本占位符 2">
             <a:extLst>
               <a:ext uri="{FF2B5EF4-FFF2-40B4-BE49-F238E27FC236}">
-                <a16:creationId xmlns:a16="http://schemas.microsoft.com/office/drawing/2014/main" id="{E6356589-09BB-9A56-7498-E4A4D59BA14F}"/>
+                <a16:creationId xmlns:a16="http://schemas.microsoft.com/office/drawing/2014/main" id="{F799EAAD-4809-045A-51F0-286545A820D7}"/>
               </a:ext>
             </a:extLst>
           </p:cNvPr>
@@ -1115,7 +1115,7 @@
           <p:cNvPr id="4" name="日期占位符 3">
             <a:extLst>
               <a:ext uri="{FF2B5EF4-FFF2-40B4-BE49-F238E27FC236}">
-                <a16:creationId xmlns:a16="http://schemas.microsoft.com/office/drawing/2014/main" id="{52A6D0DD-1699-EFEF-D4CE-07E9A069C494}"/>
+                <a16:creationId xmlns:a16="http://schemas.microsoft.com/office/drawing/2014/main" id="{69D47BA9-140E-8479-30DA-1DEC496AEA86}"/>
               </a:ext>
             </a:extLst>
           </p:cNvPr>
@@ -1131,7 +1131,7 @@
           <a:bodyPr/>
           <a:lstStyle/>
           <a:p>
-            <a:fld id="{97F10C9B-BC09-4848-BD1F-34B5701C7A11}" type="datetimeFigureOut">
+            <a:fld id="{555FA2D2-61F3-4144-847D-436971DD661A}" type="datetimeFigureOut">
               <a:rPr lang="zh-CN" altLang="en-US" smtClean="0"/>
               <a:t>2024/3/10</a:t>
             </a:fld>
@@ -1144,7 +1144,7 @@
           <p:cNvPr id="5" name="页脚占位符 4">
             <a:extLst>
               <a:ext uri="{FF2B5EF4-FFF2-40B4-BE49-F238E27FC236}">
-                <a16:creationId xmlns:a16="http://schemas.microsoft.com/office/drawing/2014/main" id="{8E867F3C-5985-421A-FA3B-428BA4B7204C}"/>
+                <a16:creationId xmlns:a16="http://schemas.microsoft.com/office/drawing/2014/main" id="{E4138FAC-F49B-3950-99E6-BAAFE0F79F08}"/>
               </a:ext>
             </a:extLst>
           </p:cNvPr>
@@ -1169,7 +1169,7 @@
           <p:cNvPr id="6" name="灯片编号占位符 5">
             <a:extLst>
               <a:ext uri="{FF2B5EF4-FFF2-40B4-BE49-F238E27FC236}">
-                <a16:creationId xmlns:a16="http://schemas.microsoft.com/office/drawing/2014/main" id="{541CC4CB-FEBB-A4DC-B591-99BA8138AE9C}"/>
+                <a16:creationId xmlns:a16="http://schemas.microsoft.com/office/drawing/2014/main" id="{63CDC46E-AD19-CE2E-E7DB-B75433FF9C6C}"/>
               </a:ext>
             </a:extLst>
           </p:cNvPr>
@@ -1185,7 +1185,7 @@
           <a:bodyPr/>
           <a:lstStyle/>
           <a:p>
-            <a:fld id="{3B29B42F-A3ED-4BC4-9367-397095E41E4B}" type="slidenum">
+            <a:fld id="{3A434ADC-6C99-44DE-80F1-15D7AC5ADB93}" type="slidenum">
               <a:rPr lang="zh-CN" altLang="en-US" smtClean="0"/>
               <a:t>‹#›</a:t>
             </a:fld>
@@ -1196,7 +1196,7 @@
     </p:spTree>
     <p:extLst>
       <p:ext uri="{BB962C8B-B14F-4D97-AF65-F5344CB8AC3E}">
-        <p14:creationId xmlns:p14="http://schemas.microsoft.com/office/powerpoint/2010/main" val="1797289137"/>
+        <p14:creationId xmlns:p14="http://schemas.microsoft.com/office/powerpoint/2010/main" val="2890921948"/>
       </p:ext>
     </p:extLst>
   </p:cSld>
@@ -1228,7 +1228,7 @@
           <p:cNvPr id="2" name="标题 1">
             <a:extLst>
               <a:ext uri="{FF2B5EF4-FFF2-40B4-BE49-F238E27FC236}">
-                <a16:creationId xmlns:a16="http://schemas.microsoft.com/office/drawing/2014/main" id="{D1FACE77-485E-35BA-B7CC-36E971793A5B}"/>
+                <a16:creationId xmlns:a16="http://schemas.microsoft.com/office/drawing/2014/main" id="{77A26DDA-0478-035F-4537-9340D283E2CC}"/>
               </a:ext>
             </a:extLst>
           </p:cNvPr>
@@ -1256,7 +1256,7 @@
           <p:cNvPr id="3" name="内容占位符 2">
             <a:extLst>
               <a:ext uri="{FF2B5EF4-FFF2-40B4-BE49-F238E27FC236}">
-                <a16:creationId xmlns:a16="http://schemas.microsoft.com/office/drawing/2014/main" id="{48BE7613-C61E-3C97-1E55-D70CFBEA7382}"/>
+                <a16:creationId xmlns:a16="http://schemas.microsoft.com/office/drawing/2014/main" id="{38D16D64-B9FF-8D1A-90C6-D0357DA1D218}"/>
               </a:ext>
             </a:extLst>
           </p:cNvPr>
@@ -1318,7 +1318,7 @@
           <p:cNvPr id="4" name="内容占位符 3">
             <a:extLst>
               <a:ext uri="{FF2B5EF4-FFF2-40B4-BE49-F238E27FC236}">
-                <a16:creationId xmlns:a16="http://schemas.microsoft.com/office/drawing/2014/main" id="{75CCBF6A-167A-EFA1-3BC5-6E4EB877F4E4}"/>
+                <a16:creationId xmlns:a16="http://schemas.microsoft.com/office/drawing/2014/main" id="{4E1992F9-AA7F-A614-1E7D-58CC26C9F74C}"/>
               </a:ext>
             </a:extLst>
           </p:cNvPr>
@@ -1380,7 +1380,7 @@
           <p:cNvPr id="5" name="日期占位符 4">
             <a:extLst>
               <a:ext uri="{FF2B5EF4-FFF2-40B4-BE49-F238E27FC236}">
-                <a16:creationId xmlns:a16="http://schemas.microsoft.com/office/drawing/2014/main" id="{FBB70A85-97BB-B8FE-325B-5F651EE739C1}"/>
+                <a16:creationId xmlns:a16="http://schemas.microsoft.com/office/drawing/2014/main" id="{570C7FCE-4734-8D98-4153-BB2E4E6D0D05}"/>
               </a:ext>
             </a:extLst>
           </p:cNvPr>
@@ -1396,7 +1396,7 @@
           <a:bodyPr/>
           <a:lstStyle/>
           <a:p>
-            <a:fld id="{97F10C9B-BC09-4848-BD1F-34B5701C7A11}" type="datetimeFigureOut">
+            <a:fld id="{555FA2D2-61F3-4144-847D-436971DD661A}" type="datetimeFigureOut">
               <a:rPr lang="zh-CN" altLang="en-US" smtClean="0"/>
               <a:t>2024/3/10</a:t>
             </a:fld>
@@ -1409,7 +1409,7 @@
           <p:cNvPr id="6" name="页脚占位符 5">
             <a:extLst>
               <a:ext uri="{FF2B5EF4-FFF2-40B4-BE49-F238E27FC236}">
-                <a16:creationId xmlns:a16="http://schemas.microsoft.com/office/drawing/2014/main" id="{2E809BEA-2495-F7A0-D7E1-DF3758E952DF}"/>
+                <a16:creationId xmlns:a16="http://schemas.microsoft.com/office/drawing/2014/main" id="{B0667605-DA19-27DD-BE3A-157DAC6E499A}"/>
               </a:ext>
             </a:extLst>
           </p:cNvPr>
@@ -1434,7 +1434,7 @@
           <p:cNvPr id="7" name="灯片编号占位符 6">
             <a:extLst>
               <a:ext uri="{FF2B5EF4-FFF2-40B4-BE49-F238E27FC236}">
-                <a16:creationId xmlns:a16="http://schemas.microsoft.com/office/drawing/2014/main" id="{F9572DC1-436D-A45B-8AF9-10976104A217}"/>
+                <a16:creationId xmlns:a16="http://schemas.microsoft.com/office/drawing/2014/main" id="{7CB6FF86-46CC-7284-DB29-8588318BB0B5}"/>
               </a:ext>
             </a:extLst>
           </p:cNvPr>
@@ -1450,7 +1450,7 @@
           <a:bodyPr/>
           <a:lstStyle/>
           <a:p>
-            <a:fld id="{3B29B42F-A3ED-4BC4-9367-397095E41E4B}" type="slidenum">
+            <a:fld id="{3A434ADC-6C99-44DE-80F1-15D7AC5ADB93}" type="slidenum">
               <a:rPr lang="zh-CN" altLang="en-US" smtClean="0"/>
               <a:t>‹#›</a:t>
             </a:fld>
@@ -1461,7 +1461,7 @@
     </p:spTree>
     <p:extLst>
       <p:ext uri="{BB962C8B-B14F-4D97-AF65-F5344CB8AC3E}">
-        <p14:creationId xmlns:p14="http://schemas.microsoft.com/office/powerpoint/2010/main" val="4221258314"/>
+        <p14:creationId xmlns:p14="http://schemas.microsoft.com/office/powerpoint/2010/main" val="715163086"/>
       </p:ext>
     </p:extLst>
   </p:cSld>
@@ -1493,7 +1493,7 @@
           <p:cNvPr id="2" name="标题 1">
             <a:extLst>
               <a:ext uri="{FF2B5EF4-FFF2-40B4-BE49-F238E27FC236}">
-                <a16:creationId xmlns:a16="http://schemas.microsoft.com/office/drawing/2014/main" id="{22C7E83A-0B6E-02CE-221E-24D8011D74BD}"/>
+                <a16:creationId xmlns:a16="http://schemas.microsoft.com/office/drawing/2014/main" id="{34D87A56-99A3-7C3B-9A02-A8BF449E799B}"/>
               </a:ext>
             </a:extLst>
           </p:cNvPr>
@@ -1526,7 +1526,7 @@
           <p:cNvPr id="3" name="文本占位符 2">
             <a:extLst>
               <a:ext uri="{FF2B5EF4-FFF2-40B4-BE49-F238E27FC236}">
-                <a16:creationId xmlns:a16="http://schemas.microsoft.com/office/drawing/2014/main" id="{6C984894-7B77-CF06-F3B0-F6F5AFF5604B}"/>
+                <a16:creationId xmlns:a16="http://schemas.microsoft.com/office/drawing/2014/main" id="{39538F2E-977A-DA2A-10FA-64B9612B6BE2}"/>
               </a:ext>
             </a:extLst>
           </p:cNvPr>
@@ -1597,7 +1597,7 @@
           <p:cNvPr id="4" name="内容占位符 3">
             <a:extLst>
               <a:ext uri="{FF2B5EF4-FFF2-40B4-BE49-F238E27FC236}">
-                <a16:creationId xmlns:a16="http://schemas.microsoft.com/office/drawing/2014/main" id="{6A4BEE86-C27D-78BA-4D02-3460D7B593FA}"/>
+                <a16:creationId xmlns:a16="http://schemas.microsoft.com/office/drawing/2014/main" id="{F2282755-4283-1A8C-124E-BA1F55CAB0D5}"/>
               </a:ext>
             </a:extLst>
           </p:cNvPr>
@@ -1659,7 +1659,7 @@
           <p:cNvPr id="5" name="文本占位符 4">
             <a:extLst>
               <a:ext uri="{FF2B5EF4-FFF2-40B4-BE49-F238E27FC236}">
-                <a16:creationId xmlns:a16="http://schemas.microsoft.com/office/drawing/2014/main" id="{CE28A927-7FD4-8C73-50C8-E2B8CDFF5D1A}"/>
+                <a16:creationId xmlns:a16="http://schemas.microsoft.com/office/drawing/2014/main" id="{A2A86BC3-3035-4DE7-83E2-800DF79E17F5}"/>
               </a:ext>
             </a:extLst>
           </p:cNvPr>
@@ -1730,7 +1730,7 @@
           <p:cNvPr id="6" name="内容占位符 5">
             <a:extLst>
               <a:ext uri="{FF2B5EF4-FFF2-40B4-BE49-F238E27FC236}">
-                <a16:creationId xmlns:a16="http://schemas.microsoft.com/office/drawing/2014/main" id="{2BDDD0D5-1A1A-BB34-3190-CF18A35C6D5D}"/>
+                <a16:creationId xmlns:a16="http://schemas.microsoft.com/office/drawing/2014/main" id="{D6A039DE-7063-5921-F7CE-B5377EDC518C}"/>
               </a:ext>
             </a:extLst>
           </p:cNvPr>
@@ -1792,7 +1792,7 @@
           <p:cNvPr id="7" name="日期占位符 6">
             <a:extLst>
               <a:ext uri="{FF2B5EF4-FFF2-40B4-BE49-F238E27FC236}">
-                <a16:creationId xmlns:a16="http://schemas.microsoft.com/office/drawing/2014/main" id="{588D80CA-102A-8A1F-1890-A5EB0B8FE76E}"/>
+                <a16:creationId xmlns:a16="http://schemas.microsoft.com/office/drawing/2014/main" id="{E4A854E6-D7E1-B8EC-EAAE-2D96AC437E15}"/>
               </a:ext>
             </a:extLst>
           </p:cNvPr>
@@ -1808,7 +1808,7 @@
           <a:bodyPr/>
           <a:lstStyle/>
           <a:p>
-            <a:fld id="{97F10C9B-BC09-4848-BD1F-34B5701C7A11}" type="datetimeFigureOut">
+            <a:fld id="{555FA2D2-61F3-4144-847D-436971DD661A}" type="datetimeFigureOut">
               <a:rPr lang="zh-CN" altLang="en-US" smtClean="0"/>
               <a:t>2024/3/10</a:t>
             </a:fld>
@@ -1821,7 +1821,7 @@
           <p:cNvPr id="8" name="页脚占位符 7">
             <a:extLst>
               <a:ext uri="{FF2B5EF4-FFF2-40B4-BE49-F238E27FC236}">
-                <a16:creationId xmlns:a16="http://schemas.microsoft.com/office/drawing/2014/main" id="{C2C12FEA-7FD5-2623-A95F-35F535D59673}"/>
+                <a16:creationId xmlns:a16="http://schemas.microsoft.com/office/drawing/2014/main" id="{7449B874-D9EE-5C90-9A04-7849083BA11D}"/>
               </a:ext>
             </a:extLst>
           </p:cNvPr>
@@ -1846,7 +1846,7 @@
           <p:cNvPr id="9" name="灯片编号占位符 8">
             <a:extLst>
               <a:ext uri="{FF2B5EF4-FFF2-40B4-BE49-F238E27FC236}">
-                <a16:creationId xmlns:a16="http://schemas.microsoft.com/office/drawing/2014/main" id="{73150130-D215-A4A9-0329-54FDED2539AC}"/>
+                <a16:creationId xmlns:a16="http://schemas.microsoft.com/office/drawing/2014/main" id="{D2E62640-EAC2-C144-4BC9-BF9E9FC3CC59}"/>
               </a:ext>
             </a:extLst>
           </p:cNvPr>
@@ -1862,7 +1862,7 @@
           <a:bodyPr/>
           <a:lstStyle/>
           <a:p>
-            <a:fld id="{3B29B42F-A3ED-4BC4-9367-397095E41E4B}" type="slidenum">
+            <a:fld id="{3A434ADC-6C99-44DE-80F1-15D7AC5ADB93}" type="slidenum">
               <a:rPr lang="zh-CN" altLang="en-US" smtClean="0"/>
               <a:t>‹#›</a:t>
             </a:fld>
@@ -1873,7 +1873,7 @@
     </p:spTree>
     <p:extLst>
       <p:ext uri="{BB962C8B-B14F-4D97-AF65-F5344CB8AC3E}">
-        <p14:creationId xmlns:p14="http://schemas.microsoft.com/office/powerpoint/2010/main" val="3247776874"/>
+        <p14:creationId xmlns:p14="http://schemas.microsoft.com/office/powerpoint/2010/main" val="1757391488"/>
       </p:ext>
     </p:extLst>
   </p:cSld>
@@ -1905,7 +1905,7 @@
           <p:cNvPr id="2" name="标题 1">
             <a:extLst>
               <a:ext uri="{FF2B5EF4-FFF2-40B4-BE49-F238E27FC236}">
-                <a16:creationId xmlns:a16="http://schemas.microsoft.com/office/drawing/2014/main" id="{9FA19E70-6389-D747-F338-D6078B329ACE}"/>
+                <a16:creationId xmlns:a16="http://schemas.microsoft.com/office/drawing/2014/main" id="{C955F1C5-3C1D-A75E-64FF-355585B9F9DE}"/>
               </a:ext>
             </a:extLst>
           </p:cNvPr>
@@ -1933,7 +1933,7 @@
           <p:cNvPr id="3" name="日期占位符 2">
             <a:extLst>
               <a:ext uri="{FF2B5EF4-FFF2-40B4-BE49-F238E27FC236}">
-                <a16:creationId xmlns:a16="http://schemas.microsoft.com/office/drawing/2014/main" id="{5B51D38B-6E22-8C9B-9811-A54A2434FD44}"/>
+                <a16:creationId xmlns:a16="http://schemas.microsoft.com/office/drawing/2014/main" id="{0C3D097A-09E9-0772-E631-1C562A52B1FE}"/>
               </a:ext>
             </a:extLst>
           </p:cNvPr>
@@ -1949,7 +1949,7 @@
           <a:bodyPr/>
           <a:lstStyle/>
           <a:p>
-            <a:fld id="{97F10C9B-BC09-4848-BD1F-34B5701C7A11}" type="datetimeFigureOut">
+            <a:fld id="{555FA2D2-61F3-4144-847D-436971DD661A}" type="datetimeFigureOut">
               <a:rPr lang="zh-CN" altLang="en-US" smtClean="0"/>
               <a:t>2024/3/10</a:t>
             </a:fld>
@@ -1962,7 +1962,7 @@
           <p:cNvPr id="4" name="页脚占位符 3">
             <a:extLst>
               <a:ext uri="{FF2B5EF4-FFF2-40B4-BE49-F238E27FC236}">
-                <a16:creationId xmlns:a16="http://schemas.microsoft.com/office/drawing/2014/main" id="{9553B487-6E41-C110-C508-D8186EFF79D0}"/>
+                <a16:creationId xmlns:a16="http://schemas.microsoft.com/office/drawing/2014/main" id="{1AF21A27-E0CF-5FEC-9811-C726FA5185E5}"/>
               </a:ext>
             </a:extLst>
           </p:cNvPr>
@@ -1987,7 +1987,7 @@
           <p:cNvPr id="5" name="灯片编号占位符 4">
             <a:extLst>
               <a:ext uri="{FF2B5EF4-FFF2-40B4-BE49-F238E27FC236}">
-                <a16:creationId xmlns:a16="http://schemas.microsoft.com/office/drawing/2014/main" id="{E55D1620-FA78-2C02-EA36-9244671F43A3}"/>
+                <a16:creationId xmlns:a16="http://schemas.microsoft.com/office/drawing/2014/main" id="{41677238-E191-D248-16D2-A2A7A759A030}"/>
               </a:ext>
             </a:extLst>
           </p:cNvPr>
@@ -2003,7 +2003,7 @@
           <a:bodyPr/>
           <a:lstStyle/>
           <a:p>
-            <a:fld id="{3B29B42F-A3ED-4BC4-9367-397095E41E4B}" type="slidenum">
+            <a:fld id="{3A434ADC-6C99-44DE-80F1-15D7AC5ADB93}" type="slidenum">
               <a:rPr lang="zh-CN" altLang="en-US" smtClean="0"/>
               <a:t>‹#›</a:t>
             </a:fld>
@@ -2014,7 +2014,7 @@
     </p:spTree>
     <p:extLst>
       <p:ext uri="{BB962C8B-B14F-4D97-AF65-F5344CB8AC3E}">
-        <p14:creationId xmlns:p14="http://schemas.microsoft.com/office/powerpoint/2010/main" val="1238246666"/>
+        <p14:creationId xmlns:p14="http://schemas.microsoft.com/office/powerpoint/2010/main" val="196244786"/>
       </p:ext>
     </p:extLst>
   </p:cSld>
@@ -2046,7 +2046,7 @@
           <p:cNvPr id="2" name="日期占位符 1">
             <a:extLst>
               <a:ext uri="{FF2B5EF4-FFF2-40B4-BE49-F238E27FC236}">
-                <a16:creationId xmlns:a16="http://schemas.microsoft.com/office/drawing/2014/main" id="{703906E3-D1D0-4BEE-9768-E80A9FDDBF14}"/>
+                <a16:creationId xmlns:a16="http://schemas.microsoft.com/office/drawing/2014/main" id="{BE3098A9-A9E7-C348-3442-6F7E5B028539}"/>
               </a:ext>
             </a:extLst>
           </p:cNvPr>
@@ -2062,7 +2062,7 @@
           <a:bodyPr/>
           <a:lstStyle/>
           <a:p>
-            <a:fld id="{97F10C9B-BC09-4848-BD1F-34B5701C7A11}" type="datetimeFigureOut">
+            <a:fld id="{555FA2D2-61F3-4144-847D-436971DD661A}" type="datetimeFigureOut">
               <a:rPr lang="zh-CN" altLang="en-US" smtClean="0"/>
               <a:t>2024/3/10</a:t>
             </a:fld>
@@ -2075,7 +2075,7 @@
           <p:cNvPr id="3" name="页脚占位符 2">
             <a:extLst>
               <a:ext uri="{FF2B5EF4-FFF2-40B4-BE49-F238E27FC236}">
-                <a16:creationId xmlns:a16="http://schemas.microsoft.com/office/drawing/2014/main" id="{439ABE1A-8152-0B7E-17BC-0119D6A316E9}"/>
+                <a16:creationId xmlns:a16="http://schemas.microsoft.com/office/drawing/2014/main" id="{FE72954E-E448-6CEA-B2A4-5D7C424EDB7E}"/>
               </a:ext>
             </a:extLst>
           </p:cNvPr>
@@ -2100,7 +2100,7 @@
           <p:cNvPr id="4" name="灯片编号占位符 3">
             <a:extLst>
               <a:ext uri="{FF2B5EF4-FFF2-40B4-BE49-F238E27FC236}">
-                <a16:creationId xmlns:a16="http://schemas.microsoft.com/office/drawing/2014/main" id="{9D1B1E18-ED46-AAFD-4A21-0F775D449554}"/>
+                <a16:creationId xmlns:a16="http://schemas.microsoft.com/office/drawing/2014/main" id="{943A14F9-524F-C7BF-B510-8043C387BC46}"/>
               </a:ext>
             </a:extLst>
           </p:cNvPr>
@@ -2116,7 +2116,7 @@
           <a:bodyPr/>
           <a:lstStyle/>
           <a:p>
-            <a:fld id="{3B29B42F-A3ED-4BC4-9367-397095E41E4B}" type="slidenum">
+            <a:fld id="{3A434ADC-6C99-44DE-80F1-15D7AC5ADB93}" type="slidenum">
               <a:rPr lang="zh-CN" altLang="en-US" smtClean="0"/>
               <a:t>‹#›</a:t>
             </a:fld>
@@ -2127,7 +2127,7 @@
     </p:spTree>
     <p:extLst>
       <p:ext uri="{BB962C8B-B14F-4D97-AF65-F5344CB8AC3E}">
-        <p14:creationId xmlns:p14="http://schemas.microsoft.com/office/powerpoint/2010/main" val="4117873553"/>
+        <p14:creationId xmlns:p14="http://schemas.microsoft.com/office/powerpoint/2010/main" val="1932504145"/>
       </p:ext>
     </p:extLst>
   </p:cSld>
@@ -2159,7 +2159,7 @@
           <p:cNvPr id="2" name="标题 1">
             <a:extLst>
               <a:ext uri="{FF2B5EF4-FFF2-40B4-BE49-F238E27FC236}">
-                <a16:creationId xmlns:a16="http://schemas.microsoft.com/office/drawing/2014/main" id="{BB4CFB4D-4C9A-44D6-960E-810543818879}"/>
+                <a16:creationId xmlns:a16="http://schemas.microsoft.com/office/drawing/2014/main" id="{C8798223-CF1E-32D5-9B5D-DB5B9A7F4A07}"/>
               </a:ext>
             </a:extLst>
           </p:cNvPr>
@@ -2196,7 +2196,7 @@
           <p:cNvPr id="3" name="内容占位符 2">
             <a:extLst>
               <a:ext uri="{FF2B5EF4-FFF2-40B4-BE49-F238E27FC236}">
-                <a16:creationId xmlns:a16="http://schemas.microsoft.com/office/drawing/2014/main" id="{55815FD9-F49B-8C98-0348-E7EC978ECF8D}"/>
+                <a16:creationId xmlns:a16="http://schemas.microsoft.com/office/drawing/2014/main" id="{B5E6EE41-6B6C-3CB9-FC40-E79DAF0E9842}"/>
               </a:ext>
             </a:extLst>
           </p:cNvPr>
@@ -2286,7 +2286,7 @@
           <p:cNvPr id="4" name="文本占位符 3">
             <a:extLst>
               <a:ext uri="{FF2B5EF4-FFF2-40B4-BE49-F238E27FC236}">
-                <a16:creationId xmlns:a16="http://schemas.microsoft.com/office/drawing/2014/main" id="{E7CF6B74-C957-EAB8-B71C-EF4E3887442D}"/>
+                <a16:creationId xmlns:a16="http://schemas.microsoft.com/office/drawing/2014/main" id="{05FD5A3D-8C4D-CC7D-FE58-3DD89E6F3973}"/>
               </a:ext>
             </a:extLst>
           </p:cNvPr>
@@ -2357,7 +2357,7 @@
           <p:cNvPr id="5" name="日期占位符 4">
             <a:extLst>
               <a:ext uri="{FF2B5EF4-FFF2-40B4-BE49-F238E27FC236}">
-                <a16:creationId xmlns:a16="http://schemas.microsoft.com/office/drawing/2014/main" id="{448AAE01-1153-E4BB-30B9-B7A913883348}"/>
+                <a16:creationId xmlns:a16="http://schemas.microsoft.com/office/drawing/2014/main" id="{483952AD-B302-6CE3-3310-F3A6AB4C0DF9}"/>
               </a:ext>
             </a:extLst>
           </p:cNvPr>
@@ -2373,7 +2373,7 @@
           <a:bodyPr/>
           <a:lstStyle/>
           <a:p>
-            <a:fld id="{97F10C9B-BC09-4848-BD1F-34B5701C7A11}" type="datetimeFigureOut">
+            <a:fld id="{555FA2D2-61F3-4144-847D-436971DD661A}" type="datetimeFigureOut">
               <a:rPr lang="zh-CN" altLang="en-US" smtClean="0"/>
               <a:t>2024/3/10</a:t>
             </a:fld>
@@ -2386,7 +2386,7 @@
           <p:cNvPr id="6" name="页脚占位符 5">
             <a:extLst>
               <a:ext uri="{FF2B5EF4-FFF2-40B4-BE49-F238E27FC236}">
-                <a16:creationId xmlns:a16="http://schemas.microsoft.com/office/drawing/2014/main" id="{9D0B0CB8-DF29-5573-05FE-5F5A8A9D6610}"/>
+                <a16:creationId xmlns:a16="http://schemas.microsoft.com/office/drawing/2014/main" id="{ECA63762-0DC3-CED8-66D0-507FAF3D78A5}"/>
               </a:ext>
             </a:extLst>
           </p:cNvPr>
@@ -2411,7 +2411,7 @@
           <p:cNvPr id="7" name="灯片编号占位符 6">
             <a:extLst>
               <a:ext uri="{FF2B5EF4-FFF2-40B4-BE49-F238E27FC236}">
-                <a16:creationId xmlns:a16="http://schemas.microsoft.com/office/drawing/2014/main" id="{E23D5F66-D975-3619-8260-BF665CBCB9E9}"/>
+                <a16:creationId xmlns:a16="http://schemas.microsoft.com/office/drawing/2014/main" id="{54870E6D-AFB8-7BEE-FC32-4F72B5DA0A96}"/>
               </a:ext>
             </a:extLst>
           </p:cNvPr>
@@ -2427,7 +2427,7 @@
           <a:bodyPr/>
           <a:lstStyle/>
           <a:p>
-            <a:fld id="{3B29B42F-A3ED-4BC4-9367-397095E41E4B}" type="slidenum">
+            <a:fld id="{3A434ADC-6C99-44DE-80F1-15D7AC5ADB93}" type="slidenum">
               <a:rPr lang="zh-CN" altLang="en-US" smtClean="0"/>
               <a:t>‹#›</a:t>
             </a:fld>
@@ -2438,7 +2438,7 @@
     </p:spTree>
     <p:extLst>
       <p:ext uri="{BB962C8B-B14F-4D97-AF65-F5344CB8AC3E}">
-        <p14:creationId xmlns:p14="http://schemas.microsoft.com/office/powerpoint/2010/main" val="4035154998"/>
+        <p14:creationId xmlns:p14="http://schemas.microsoft.com/office/powerpoint/2010/main" val="1993671108"/>
       </p:ext>
     </p:extLst>
   </p:cSld>
@@ -2470,7 +2470,7 @@
           <p:cNvPr id="2" name="标题 1">
             <a:extLst>
               <a:ext uri="{FF2B5EF4-FFF2-40B4-BE49-F238E27FC236}">
-                <a16:creationId xmlns:a16="http://schemas.microsoft.com/office/drawing/2014/main" id="{670572E5-1FCE-687A-03A4-1C0B068C8585}"/>
+                <a16:creationId xmlns:a16="http://schemas.microsoft.com/office/drawing/2014/main" id="{F74962F0-16EF-7401-10B0-9ABFF4D697DE}"/>
               </a:ext>
             </a:extLst>
           </p:cNvPr>
@@ -2507,7 +2507,7 @@
           <p:cNvPr id="3" name="图片占位符 2">
             <a:extLst>
               <a:ext uri="{FF2B5EF4-FFF2-40B4-BE49-F238E27FC236}">
-                <a16:creationId xmlns:a16="http://schemas.microsoft.com/office/drawing/2014/main" id="{21BE3A65-858A-AD1C-A7F5-623D4E02AE8F}"/>
+                <a16:creationId xmlns:a16="http://schemas.microsoft.com/office/drawing/2014/main" id="{B15C67DF-AC1D-FEC8-8F9B-142486FC3904}"/>
               </a:ext>
             </a:extLst>
           </p:cNvPr>
@@ -2574,7 +2574,7 @@
           <p:cNvPr id="4" name="文本占位符 3">
             <a:extLst>
               <a:ext uri="{FF2B5EF4-FFF2-40B4-BE49-F238E27FC236}">
-                <a16:creationId xmlns:a16="http://schemas.microsoft.com/office/drawing/2014/main" id="{AFA77BBA-002D-181D-0D9E-3740B4D510EE}"/>
+                <a16:creationId xmlns:a16="http://schemas.microsoft.com/office/drawing/2014/main" id="{29CCB149-DE26-F78C-0A91-23146E9BC47B}"/>
               </a:ext>
             </a:extLst>
           </p:cNvPr>
@@ -2645,7 +2645,7 @@
           <p:cNvPr id="5" name="日期占位符 4">
             <a:extLst>
               <a:ext uri="{FF2B5EF4-FFF2-40B4-BE49-F238E27FC236}">
-                <a16:creationId xmlns:a16="http://schemas.microsoft.com/office/drawing/2014/main" id="{CBAD396E-AC52-2BE1-51DC-8F5E85782D96}"/>
+                <a16:creationId xmlns:a16="http://schemas.microsoft.com/office/drawing/2014/main" id="{E7047FF6-6B7F-270F-B8C8-4E2D1A0ABE83}"/>
               </a:ext>
             </a:extLst>
           </p:cNvPr>
@@ -2661,7 +2661,7 @@
           <a:bodyPr/>
           <a:lstStyle/>
           <a:p>
-            <a:fld id="{97F10C9B-BC09-4848-BD1F-34B5701C7A11}" type="datetimeFigureOut">
+            <a:fld id="{555FA2D2-61F3-4144-847D-436971DD661A}" type="datetimeFigureOut">
               <a:rPr lang="zh-CN" altLang="en-US" smtClean="0"/>
               <a:t>2024/3/10</a:t>
             </a:fld>
@@ -2674,7 +2674,7 @@
           <p:cNvPr id="6" name="页脚占位符 5">
             <a:extLst>
               <a:ext uri="{FF2B5EF4-FFF2-40B4-BE49-F238E27FC236}">
-                <a16:creationId xmlns:a16="http://schemas.microsoft.com/office/drawing/2014/main" id="{7ACEC49C-BF4C-2A86-897F-3821F4CE97CE}"/>
+                <a16:creationId xmlns:a16="http://schemas.microsoft.com/office/drawing/2014/main" id="{D54FB5BC-5CA5-02A0-F953-0C866E46CAAA}"/>
               </a:ext>
             </a:extLst>
           </p:cNvPr>
@@ -2699,7 +2699,7 @@
           <p:cNvPr id="7" name="灯片编号占位符 6">
             <a:extLst>
               <a:ext uri="{FF2B5EF4-FFF2-40B4-BE49-F238E27FC236}">
-                <a16:creationId xmlns:a16="http://schemas.microsoft.com/office/drawing/2014/main" id="{6E56E8D1-0B8E-182A-8F61-9DA7927430DF}"/>
+                <a16:creationId xmlns:a16="http://schemas.microsoft.com/office/drawing/2014/main" id="{539F4905-AF79-F9B0-7AD1-4EC805FFE453}"/>
               </a:ext>
             </a:extLst>
           </p:cNvPr>
@@ -2715,7 +2715,7 @@
           <a:bodyPr/>
           <a:lstStyle/>
           <a:p>
-            <a:fld id="{3B29B42F-A3ED-4BC4-9367-397095E41E4B}" type="slidenum">
+            <a:fld id="{3A434ADC-6C99-44DE-80F1-15D7AC5ADB93}" type="slidenum">
               <a:rPr lang="zh-CN" altLang="en-US" smtClean="0"/>
               <a:t>‹#›</a:t>
             </a:fld>
@@ -2726,7 +2726,7 @@
     </p:spTree>
     <p:extLst>
       <p:ext uri="{BB962C8B-B14F-4D97-AF65-F5344CB8AC3E}">
-        <p14:creationId xmlns:p14="http://schemas.microsoft.com/office/powerpoint/2010/main" val="1739217635"/>
+        <p14:creationId xmlns:p14="http://schemas.microsoft.com/office/powerpoint/2010/main" val="2872052317"/>
       </p:ext>
     </p:extLst>
   </p:cSld>
@@ -2763,7 +2763,7 @@
           <p:cNvPr id="2" name="标题占位符 1">
             <a:extLst>
               <a:ext uri="{FF2B5EF4-FFF2-40B4-BE49-F238E27FC236}">
-                <a16:creationId xmlns:a16="http://schemas.microsoft.com/office/drawing/2014/main" id="{A00F0D59-9091-2880-2068-F7205FF310DE}"/>
+                <a16:creationId xmlns:a16="http://schemas.microsoft.com/office/drawing/2014/main" id="{786A5FF9-1246-6C07-CACA-04DA3BFBE8C6}"/>
               </a:ext>
             </a:extLst>
           </p:cNvPr>
@@ -2801,7 +2801,7 @@
           <p:cNvPr id="3" name="文本占位符 2">
             <a:extLst>
               <a:ext uri="{FF2B5EF4-FFF2-40B4-BE49-F238E27FC236}">
-                <a16:creationId xmlns:a16="http://schemas.microsoft.com/office/drawing/2014/main" id="{E6F0C1BC-595B-1C55-656C-5D9D07F097A0}"/>
+                <a16:creationId xmlns:a16="http://schemas.microsoft.com/office/drawing/2014/main" id="{23264FA7-E692-8D54-753F-1A4C5B47FD49}"/>
               </a:ext>
             </a:extLst>
           </p:cNvPr>
@@ -2868,7 +2868,7 @@
           <p:cNvPr id="4" name="日期占位符 3">
             <a:extLst>
               <a:ext uri="{FF2B5EF4-FFF2-40B4-BE49-F238E27FC236}">
-                <a16:creationId xmlns:a16="http://schemas.microsoft.com/office/drawing/2014/main" id="{31727CDC-F326-8C1D-4AA6-1A6FD9443A08}"/>
+                <a16:creationId xmlns:a16="http://schemas.microsoft.com/office/drawing/2014/main" id="{2355833D-0BB0-B09F-BF13-7D926797A8CA}"/>
               </a:ext>
             </a:extLst>
           </p:cNvPr>
@@ -2902,7 +2902,7 @@
             </a:lvl1pPr>
           </a:lstStyle>
           <a:p>
-            <a:fld id="{97F10C9B-BC09-4848-BD1F-34B5701C7A11}" type="datetimeFigureOut">
+            <a:fld id="{555FA2D2-61F3-4144-847D-436971DD661A}" type="datetimeFigureOut">
               <a:rPr lang="zh-CN" altLang="en-US" smtClean="0"/>
               <a:t>2024/3/10</a:t>
             </a:fld>
@@ -2915,7 +2915,7 @@
           <p:cNvPr id="5" name="页脚占位符 4">
             <a:extLst>
               <a:ext uri="{FF2B5EF4-FFF2-40B4-BE49-F238E27FC236}">
-                <a16:creationId xmlns:a16="http://schemas.microsoft.com/office/drawing/2014/main" id="{C02D657E-7B38-339B-4C9E-53B9C27171E6}"/>
+                <a16:creationId xmlns:a16="http://schemas.microsoft.com/office/drawing/2014/main" id="{F8F29069-CE98-6D94-A829-00926C9FE375}"/>
               </a:ext>
             </a:extLst>
           </p:cNvPr>
@@ -2958,7 +2958,7 @@
           <p:cNvPr id="6" name="灯片编号占位符 5">
             <a:extLst>
               <a:ext uri="{FF2B5EF4-FFF2-40B4-BE49-F238E27FC236}">
-                <a16:creationId xmlns:a16="http://schemas.microsoft.com/office/drawing/2014/main" id="{7068FAEB-A247-4C31-5D71-AE28276716F0}"/>
+                <a16:creationId xmlns:a16="http://schemas.microsoft.com/office/drawing/2014/main" id="{D0AD1C28-F967-D0DF-11F8-5DCB326E312E}"/>
               </a:ext>
             </a:extLst>
           </p:cNvPr>
@@ -2992,7 +2992,7 @@
             </a:lvl1pPr>
           </a:lstStyle>
           <a:p>
-            <a:fld id="{3B29B42F-A3ED-4BC4-9367-397095E41E4B}" type="slidenum">
+            <a:fld id="{3A434ADC-6C99-44DE-80F1-15D7AC5ADB93}" type="slidenum">
               <a:rPr lang="zh-CN" altLang="en-US" smtClean="0"/>
               <a:t>‹#›</a:t>
             </a:fld>
@@ -3003,7 +3003,7 @@
     </p:spTree>
     <p:extLst>
       <p:ext uri="{BB962C8B-B14F-4D97-AF65-F5344CB8AC3E}">
-        <p14:creationId xmlns:p14="http://schemas.microsoft.com/office/powerpoint/2010/main" val="554143690"/>
+        <p14:creationId xmlns:p14="http://schemas.microsoft.com/office/powerpoint/2010/main" val="2308377496"/>
       </p:ext>
     </p:extLst>
   </p:cSld>
